--- a/git-quick-manual.pptx
+++ b/git-quick-manual.pptx
@@ -290,7 +290,7 @@
             <a:fld id="{1D8BD707-D9CF-40AE-B4C6-C98DA3205C09}" type="datetimeFigureOut">
               <a:rPr lang="en-US" smtClean="0"/>
               <a:pPr/>
-              <a:t>6/5/2016</a:t>
+              <a:t>6/25/2016</a:t>
             </a:fld>
             <a:endParaRPr lang="en-US"/>
           </a:p>
@@ -457,7 +457,7 @@
             <a:fld id="{1D8BD707-D9CF-40AE-B4C6-C98DA3205C09}" type="datetimeFigureOut">
               <a:rPr lang="en-US" smtClean="0"/>
               <a:pPr/>
-              <a:t>6/5/2016</a:t>
+              <a:t>6/25/2016</a:t>
             </a:fld>
             <a:endParaRPr lang="en-US"/>
           </a:p>
@@ -634,7 +634,7 @@
             <a:fld id="{1D8BD707-D9CF-40AE-B4C6-C98DA3205C09}" type="datetimeFigureOut">
               <a:rPr lang="en-US" smtClean="0"/>
               <a:pPr/>
-              <a:t>6/5/2016</a:t>
+              <a:t>6/25/2016</a:t>
             </a:fld>
             <a:endParaRPr lang="en-US"/>
           </a:p>
@@ -801,7 +801,7 @@
             <a:fld id="{1D8BD707-D9CF-40AE-B4C6-C98DA3205C09}" type="datetimeFigureOut">
               <a:rPr lang="en-US" smtClean="0"/>
               <a:pPr/>
-              <a:t>6/5/2016</a:t>
+              <a:t>6/25/2016</a:t>
             </a:fld>
             <a:endParaRPr lang="en-US"/>
           </a:p>
@@ -1044,7 +1044,7 @@
             <a:fld id="{1D8BD707-D9CF-40AE-B4C6-C98DA3205C09}" type="datetimeFigureOut">
               <a:rPr lang="en-US" smtClean="0"/>
               <a:pPr/>
-              <a:t>6/5/2016</a:t>
+              <a:t>6/25/2016</a:t>
             </a:fld>
             <a:endParaRPr lang="en-US"/>
           </a:p>
@@ -1329,7 +1329,7 @@
             <a:fld id="{1D8BD707-D9CF-40AE-B4C6-C98DA3205C09}" type="datetimeFigureOut">
               <a:rPr lang="en-US" smtClean="0"/>
               <a:pPr/>
-              <a:t>6/5/2016</a:t>
+              <a:t>6/25/2016</a:t>
             </a:fld>
             <a:endParaRPr lang="en-US"/>
           </a:p>
@@ -1748,7 +1748,7 @@
             <a:fld id="{1D8BD707-D9CF-40AE-B4C6-C98DA3205C09}" type="datetimeFigureOut">
               <a:rPr lang="en-US" smtClean="0"/>
               <a:pPr/>
-              <a:t>6/5/2016</a:t>
+              <a:t>6/25/2016</a:t>
             </a:fld>
             <a:endParaRPr lang="en-US"/>
           </a:p>
@@ -1863,7 +1863,7 @@
             <a:fld id="{1D8BD707-D9CF-40AE-B4C6-C98DA3205C09}" type="datetimeFigureOut">
               <a:rPr lang="en-US" smtClean="0"/>
               <a:pPr/>
-              <a:t>6/5/2016</a:t>
+              <a:t>6/25/2016</a:t>
             </a:fld>
             <a:endParaRPr lang="en-US"/>
           </a:p>
@@ -1955,7 +1955,7 @@
             <a:fld id="{1D8BD707-D9CF-40AE-B4C6-C98DA3205C09}" type="datetimeFigureOut">
               <a:rPr lang="en-US" smtClean="0"/>
               <a:pPr/>
-              <a:t>6/5/2016</a:t>
+              <a:t>6/25/2016</a:t>
             </a:fld>
             <a:endParaRPr lang="en-US"/>
           </a:p>
@@ -2229,7 +2229,7 @@
             <a:fld id="{1D8BD707-D9CF-40AE-B4C6-C98DA3205C09}" type="datetimeFigureOut">
               <a:rPr lang="en-US" smtClean="0"/>
               <a:pPr/>
-              <a:t>6/5/2016</a:t>
+              <a:t>6/25/2016</a:t>
             </a:fld>
             <a:endParaRPr lang="en-US"/>
           </a:p>
@@ -2479,7 +2479,7 @@
             <a:fld id="{1D8BD707-D9CF-40AE-B4C6-C98DA3205C09}" type="datetimeFigureOut">
               <a:rPr lang="en-US" smtClean="0"/>
               <a:pPr/>
-              <a:t>6/5/2016</a:t>
+              <a:t>6/25/2016</a:t>
             </a:fld>
             <a:endParaRPr lang="en-US"/>
           </a:p>
@@ -2689,7 +2689,7 @@
             <a:fld id="{1D8BD707-D9CF-40AE-B4C6-C98DA3205C09}" type="datetimeFigureOut">
               <a:rPr lang="en-US" smtClean="0"/>
               <a:pPr/>
-              <a:t>6/5/2016</a:t>
+              <a:t>6/25/2016</a:t>
             </a:fld>
             <a:endParaRPr lang="en-US"/>
           </a:p>
@@ -3101,7 +3101,7 @@
         <p:spPr>
           <a:xfrm>
             <a:off x="1219200" y="1600200"/>
-            <a:ext cx="6400800" cy="2286000"/>
+            <a:ext cx="6400800" cy="4800600"/>
           </a:xfrm>
         </p:spPr>
         <p:txBody>
@@ -3181,7 +3181,11 @@
             </a:r>
             <a:r>
               <a:rPr lang="da-DK" sz="1800" dirty="0" smtClean="0"/>
-              <a:t>browser-sync”</a:t>
+              <a:t>browser-sync</a:t>
+            </a:r>
+            <a:r>
+              <a:rPr lang="da-DK" sz="1800" dirty="0" smtClean="0"/>
+              <a:t>”</a:t>
             </a:r>
             <a:r>
               <a:rPr lang="da-DK" sz="1800" dirty="0" smtClean="0">
@@ -3191,6 +3195,24 @@
               </a:rPr>
               <a:t>)</a:t>
             </a:r>
+          </a:p>
+          <a:p>
+            <a:pPr marL="514350" indent="-514350" algn="l">
+              <a:buAutoNum type="arabicPeriod"/>
+            </a:pPr>
+            <a:r>
+              <a:rPr lang="da-DK" sz="1800" dirty="0" smtClean="0">
+                <a:solidFill>
+                  <a:schemeClr val="tx1"/>
+                </a:solidFill>
+              </a:rPr>
+              <a:t>”browser-sync start –server –directory –files ”**/*””</a:t>
+            </a:r>
+            <a:endParaRPr lang="da-DK" sz="1800" dirty="0" smtClean="0">
+              <a:solidFill>
+                <a:schemeClr val="tx1"/>
+              </a:solidFill>
+            </a:endParaRPr>
           </a:p>
           <a:p>
             <a:pPr marL="514350" indent="-514350" algn="l">
@@ -3302,11 +3324,6 @@
               </a:rPr>
               <a:t>Cmd ”go to repository”</a:t>
             </a:r>
-            <a:endParaRPr lang="da-DK" sz="1800" dirty="0" smtClean="0">
-              <a:solidFill>
-                <a:schemeClr val="tx1"/>
-              </a:solidFill>
-            </a:endParaRPr>
           </a:p>
           <a:p>
             <a:pPr marL="514350" indent="-514350" algn="l">
@@ -3320,11 +3337,6 @@
               </a:rPr>
               <a:t>Add and edit directory</a:t>
             </a:r>
-            <a:endParaRPr lang="da-DK" sz="1800" dirty="0" smtClean="0">
-              <a:solidFill>
-                <a:schemeClr val="tx1"/>
-              </a:solidFill>
-            </a:endParaRPr>
           </a:p>
           <a:p>
             <a:pPr marL="514350" indent="-514350" algn="l">
@@ -3338,11 +3350,6 @@
               </a:rPr>
               <a:t>To see status ”git status”</a:t>
             </a:r>
-            <a:endParaRPr lang="da-DK" sz="1800" dirty="0" smtClean="0">
-              <a:solidFill>
-                <a:schemeClr val="tx1"/>
-              </a:solidFill>
-            </a:endParaRPr>
           </a:p>
           <a:p>
             <a:pPr marL="514350" indent="-514350" algn="l">
@@ -3356,11 +3363,6 @@
               </a:rPr>
               <a:t>”git add .”</a:t>
             </a:r>
-            <a:endParaRPr lang="da-DK" sz="1800" dirty="0" smtClean="0">
-              <a:solidFill>
-                <a:schemeClr val="tx1"/>
-              </a:solidFill>
-            </a:endParaRPr>
           </a:p>
           <a:p>
             <a:pPr marL="514350" indent="-514350" algn="l">
